--- a/DataForwarding/data_forwarding.pptx
+++ b/DataForwarding/data_forwarding.pptx
@@ -5,16 +5,20 @@
     <p:sldMasterId id="2147483648" r:id="rId1"/>
   </p:sldMasterIdLst>
   <p:notesMasterIdLst>
-    <p:notesMasterId r:id="rId6"/>
+    <p:notesMasterId r:id="rId10"/>
   </p:notesMasterIdLst>
   <p:handoutMasterIdLst>
-    <p:handoutMasterId r:id="rId7"/>
+    <p:handoutMasterId r:id="rId11"/>
   </p:handoutMasterIdLst>
   <p:sldIdLst>
     <p:sldId id="258" r:id="rId2"/>
     <p:sldId id="259" r:id="rId3"/>
-    <p:sldId id="260" r:id="rId4"/>
+    <p:sldId id="261" r:id="rId4"/>
     <p:sldId id="262" r:id="rId5"/>
+    <p:sldId id="263" r:id="rId6"/>
+    <p:sldId id="264" r:id="rId7"/>
+    <p:sldId id="260" r:id="rId8"/>
+    <p:sldId id="265" r:id="rId9"/>
   </p:sldIdLst>
   <p:sldSz cx="9144000" cy="6858000" type="screen4x3"/>
   <p:notesSz cx="6858000" cy="9296400"/>
@@ -309,7 +313,7 @@
               <a:pPr>
                 <a:defRPr/>
               </a:pPr>
-              <a:t>11/27/15</a:t>
+              <a:t>11/30/15</a:t>
             </a:fld>
             <a:endParaRPr lang="en-US"/>
           </a:p>
@@ -521,7 +525,7 @@
               <a:pPr>
                 <a:defRPr/>
               </a:pPr>
-              <a:t>11/27/15</a:t>
+              <a:t>11/30/15</a:t>
             </a:fld>
             <a:endParaRPr lang="en-US"/>
           </a:p>
@@ -973,11 +977,11 @@
           <a:p>
             <a:r>
               <a:rPr lang="en-US" dirty="0" smtClean="0"/>
-              <a:t>Explain each of the</a:t>
+              <a:t>Replace milk type question</a:t>
             </a:r>
             <a:r>
               <a:rPr lang="en-US" baseline="0" dirty="0" smtClean="0"/>
-              <a:t> concepts with drawings</a:t>
+              <a:t> with lookup table</a:t>
             </a:r>
             <a:endParaRPr lang="en-US" dirty="0"/>
           </a:p>
@@ -1006,7 +1010,7 @@
               <a:pPr>
                 <a:defRPr/>
               </a:pPr>
-              <a:t>2</a:t>
+              <a:t>6</a:t>
             </a:fld>
             <a:endParaRPr lang="en-US"/>
           </a:p>
@@ -1015,7 +1019,7 @@
     </p:spTree>
     <p:extLst>
       <p:ext uri="{BB962C8B-B14F-4D97-AF65-F5344CB8AC3E}">
-        <p14:creationId xmlns:p14="http://schemas.microsoft.com/office/powerpoint/2010/main" val="516747871"/>
+        <p14:creationId xmlns:p14="http://schemas.microsoft.com/office/powerpoint/2010/main" val="200102303"/>
       </p:ext>
     </p:extLst>
   </p:cSld>
@@ -2613,19 +2617,416 @@
             <p:ph type="title"/>
           </p:nvPr>
         </p:nvSpPr>
-        <p:spPr>
-          <a:xfrm>
-            <a:off x="457200" y="3176336"/>
-            <a:ext cx="8229600" cy="457200"/>
-          </a:xfrm>
-        </p:spPr>
+        <p:spPr/>
         <p:txBody>
           <a:bodyPr/>
           <a:lstStyle/>
           <a:p>
             <a:r>
               <a:rPr lang="en-US" dirty="0" smtClean="0"/>
-              <a:t>How can GPS be integrated into your app?</a:t>
+              <a:t>What is Data Forwarding?</a:t>
+            </a:r>
+            <a:endParaRPr lang="en-US" dirty="0"/>
+          </a:p>
+        </p:txBody>
+      </p:sp>
+      <p:sp>
+        <p:nvSpPr>
+          <p:cNvPr id="3" name="Content Placeholder 2"/>
+          <p:cNvSpPr>
+            <a:spLocks noGrp="1"/>
+          </p:cNvSpPr>
+          <p:nvPr>
+            <p:ph idx="1"/>
+          </p:nvPr>
+        </p:nvSpPr>
+        <p:spPr/>
+        <p:txBody>
+          <a:bodyPr/>
+          <a:lstStyle/>
+          <a:p>
+            <a:r>
+              <a:rPr lang="en-US" dirty="0" smtClean="0"/>
+              <a:t>Data forwarding allows you to forwards cases and forms to an external server for your own processing</a:t>
+            </a:r>
+          </a:p>
+          <a:p>
+            <a:endParaRPr lang="en-US" dirty="0"/>
+          </a:p>
+          <a:p>
+            <a:pPr marL="0" indent="0">
+              <a:buNone/>
+            </a:pPr>
+            <a:endParaRPr lang="en-US" dirty="0" smtClean="0"/>
+          </a:p>
+          <a:p>
+            <a:pPr marL="0" indent="0">
+              <a:buNone/>
+            </a:pPr>
+            <a:endParaRPr lang="en-US" dirty="0"/>
+          </a:p>
+          <a:p>
+            <a:pPr marL="0" indent="0">
+              <a:buNone/>
+            </a:pPr>
+            <a:endParaRPr lang="en-US" dirty="0" smtClean="0"/>
+          </a:p>
+          <a:p>
+            <a:pPr marL="0" indent="0">
+              <a:buNone/>
+            </a:pPr>
+            <a:endParaRPr lang="en-US" dirty="0"/>
+          </a:p>
+          <a:p>
+            <a:pPr marL="0" indent="0">
+              <a:buNone/>
+            </a:pPr>
+            <a:endParaRPr lang="en-US" dirty="0" smtClean="0"/>
+          </a:p>
+          <a:p>
+            <a:pPr marL="0" indent="0">
+              <a:buNone/>
+            </a:pPr>
+            <a:endParaRPr lang="en-US" dirty="0"/>
+          </a:p>
+          <a:p>
+            <a:pPr marL="0" indent="0">
+              <a:buNone/>
+            </a:pPr>
+            <a:endParaRPr lang="en-US" dirty="0" smtClean="0"/>
+          </a:p>
+          <a:p>
+            <a:pPr marL="0" indent="0">
+              <a:buNone/>
+            </a:pPr>
+            <a:r>
+              <a:rPr lang="en-US" dirty="0"/>
+              <a:t>Docs: </a:t>
+            </a:r>
+            <a:r>
+              <a:rPr lang="en-US" dirty="0">
+                <a:hlinkClick r:id="rId2"/>
+              </a:rPr>
+              <a:t>http://</a:t>
+            </a:r>
+            <a:r>
+              <a:rPr lang="en-US" dirty="0" smtClean="0">
+                <a:hlinkClick r:id="rId2"/>
+              </a:rPr>
+              <a:t>bit.ly/1NjRZLm</a:t>
+            </a:r>
+            <a:endParaRPr lang="en-US" dirty="0" smtClean="0"/>
+          </a:p>
+          <a:p>
+            <a:pPr marL="0" indent="0">
+              <a:buNone/>
+            </a:pPr>
+            <a:endParaRPr lang="en-US" dirty="0"/>
+          </a:p>
+        </p:txBody>
+      </p:sp>
+      <p:pic>
+        <p:nvPicPr>
+          <p:cNvPr id="4" name="Picture 3"/>
+          <p:cNvPicPr>
+            <a:picLocks noChangeAspect="1"/>
+          </p:cNvPicPr>
+          <p:nvPr/>
+        </p:nvPicPr>
+        <p:blipFill>
+          <a:blip r:embed="rId3">
+            <a:extLst>
+              <a:ext uri="{28A0092B-C50C-407E-A947-70E740481C1C}">
+                <a14:useLocalDpi xmlns:a14="http://schemas.microsoft.com/office/drawing/2010/main" val="0"/>
+              </a:ext>
+            </a:extLst>
+          </a:blip>
+          <a:stretch>
+            <a:fillRect/>
+          </a:stretch>
+        </p:blipFill>
+        <p:spPr>
+          <a:xfrm>
+            <a:off x="457200" y="2622886"/>
+            <a:ext cx="2562727" cy="2562727"/>
+          </a:xfrm>
+          <a:prstGeom prst="rect">
+            <a:avLst/>
+          </a:prstGeom>
+        </p:spPr>
+      </p:pic>
+      <p:pic>
+        <p:nvPicPr>
+          <p:cNvPr id="5" name="Picture 4"/>
+          <p:cNvPicPr>
+            <a:picLocks noChangeAspect="1"/>
+          </p:cNvPicPr>
+          <p:nvPr/>
+        </p:nvPicPr>
+        <p:blipFill>
+          <a:blip r:embed="rId3">
+            <a:extLst>
+              <a:ext uri="{28A0092B-C50C-407E-A947-70E740481C1C}">
+                <a14:useLocalDpi xmlns:a14="http://schemas.microsoft.com/office/drawing/2010/main" val="0"/>
+              </a:ext>
+            </a:extLst>
+          </a:blip>
+          <a:stretch>
+            <a:fillRect/>
+          </a:stretch>
+        </p:blipFill>
+        <p:spPr>
+          <a:xfrm>
+            <a:off x="5975685" y="2622886"/>
+            <a:ext cx="2562727" cy="2562727"/>
+          </a:xfrm>
+          <a:prstGeom prst="rect">
+            <a:avLst/>
+          </a:prstGeom>
+        </p:spPr>
+      </p:pic>
+      <p:pic>
+        <p:nvPicPr>
+          <p:cNvPr id="6" name="Content Placeholder 3"/>
+          <p:cNvPicPr>
+            <a:picLocks noChangeAspect="1"/>
+          </p:cNvPicPr>
+          <p:nvPr/>
+        </p:nvPicPr>
+        <p:blipFill>
+          <a:blip r:embed="rId4">
+            <a:extLst>
+              <a:ext uri="{28A0092B-C50C-407E-A947-70E740481C1C}">
+                <a14:useLocalDpi xmlns:a14="http://schemas.microsoft.com/office/drawing/2010/main" val="0"/>
+              </a:ext>
+            </a:extLst>
+          </a:blip>
+          <a:stretch>
+            <a:fillRect/>
+          </a:stretch>
+        </p:blipFill>
+        <p:spPr bwMode="auto">
+          <a:xfrm>
+            <a:off x="3172327" y="2400302"/>
+            <a:ext cx="445168" cy="445168"/>
+          </a:xfrm>
+          <a:prstGeom prst="rect">
+            <a:avLst/>
+          </a:prstGeom>
+          <a:noFill/>
+          <a:ln w="9525">
+            <a:noFill/>
+            <a:miter lim="800000"/>
+            <a:headEnd/>
+            <a:tailEnd/>
+          </a:ln>
+        </p:spPr>
+      </p:pic>
+      <p:pic>
+        <p:nvPicPr>
+          <p:cNvPr id="7" name="Content Placeholder 3"/>
+          <p:cNvPicPr>
+            <a:picLocks noChangeAspect="1"/>
+          </p:cNvPicPr>
+          <p:nvPr/>
+        </p:nvPicPr>
+        <p:blipFill>
+          <a:blip r:embed="rId4">
+            <a:extLst>
+              <a:ext uri="{28A0092B-C50C-407E-A947-70E740481C1C}">
+                <a14:useLocalDpi xmlns:a14="http://schemas.microsoft.com/office/drawing/2010/main" val="0"/>
+              </a:ext>
+            </a:extLst>
+          </a:blip>
+          <a:stretch>
+            <a:fillRect/>
+          </a:stretch>
+        </p:blipFill>
+        <p:spPr bwMode="auto">
+          <a:xfrm>
+            <a:off x="3761876" y="2191754"/>
+            <a:ext cx="445168" cy="445168"/>
+          </a:xfrm>
+          <a:prstGeom prst="rect">
+            <a:avLst/>
+          </a:prstGeom>
+          <a:noFill/>
+          <a:ln w="9525">
+            <a:noFill/>
+            <a:miter lim="800000"/>
+            <a:headEnd/>
+            <a:tailEnd/>
+          </a:ln>
+        </p:spPr>
+      </p:pic>
+      <p:pic>
+        <p:nvPicPr>
+          <p:cNvPr id="8" name="Content Placeholder 3"/>
+          <p:cNvPicPr>
+            <a:picLocks noChangeAspect="1"/>
+          </p:cNvPicPr>
+          <p:nvPr/>
+        </p:nvPicPr>
+        <p:blipFill>
+          <a:blip r:embed="rId4">
+            <a:extLst>
+              <a:ext uri="{28A0092B-C50C-407E-A947-70E740481C1C}">
+                <a14:useLocalDpi xmlns:a14="http://schemas.microsoft.com/office/drawing/2010/main" val="0"/>
+              </a:ext>
+            </a:extLst>
+          </a:blip>
+          <a:stretch>
+            <a:fillRect/>
+          </a:stretch>
+        </p:blipFill>
+        <p:spPr bwMode="auto">
+          <a:xfrm>
+            <a:off x="4804612" y="2191754"/>
+            <a:ext cx="445168" cy="445168"/>
+          </a:xfrm>
+          <a:prstGeom prst="rect">
+            <a:avLst/>
+          </a:prstGeom>
+          <a:noFill/>
+          <a:ln w="9525">
+            <a:noFill/>
+            <a:miter lim="800000"/>
+            <a:headEnd/>
+            <a:tailEnd/>
+          </a:ln>
+        </p:spPr>
+      </p:pic>
+      <p:pic>
+        <p:nvPicPr>
+          <p:cNvPr id="9" name="Content Placeholder 3"/>
+          <p:cNvPicPr>
+            <a:picLocks noChangeAspect="1"/>
+          </p:cNvPicPr>
+          <p:nvPr/>
+        </p:nvPicPr>
+        <p:blipFill>
+          <a:blip r:embed="rId4">
+            <a:extLst>
+              <a:ext uri="{28A0092B-C50C-407E-A947-70E740481C1C}">
+                <a14:useLocalDpi xmlns:a14="http://schemas.microsoft.com/office/drawing/2010/main" val="0"/>
+              </a:ext>
+            </a:extLst>
+          </a:blip>
+          <a:stretch>
+            <a:fillRect/>
+          </a:stretch>
+        </p:blipFill>
+        <p:spPr bwMode="auto">
+          <a:xfrm>
+            <a:off x="5402180" y="2400302"/>
+            <a:ext cx="445168" cy="445168"/>
+          </a:xfrm>
+          <a:prstGeom prst="rect">
+            <a:avLst/>
+          </a:prstGeom>
+          <a:noFill/>
+          <a:ln w="9525">
+            <a:noFill/>
+            <a:miter lim="800000"/>
+            <a:headEnd/>
+            <a:tailEnd/>
+          </a:ln>
+        </p:spPr>
+      </p:pic>
+      <p:pic>
+        <p:nvPicPr>
+          <p:cNvPr id="10" name="Content Placeholder 3"/>
+          <p:cNvPicPr>
+            <a:picLocks noChangeAspect="1"/>
+          </p:cNvPicPr>
+          <p:nvPr/>
+        </p:nvPicPr>
+        <p:blipFill>
+          <a:blip r:embed="rId4">
+            <a:extLst>
+              <a:ext uri="{28A0092B-C50C-407E-A947-70E740481C1C}">
+                <a14:useLocalDpi xmlns:a14="http://schemas.microsoft.com/office/drawing/2010/main" val="0"/>
+              </a:ext>
+            </a:extLst>
+          </a:blip>
+          <a:stretch>
+            <a:fillRect/>
+          </a:stretch>
+        </p:blipFill>
+        <p:spPr bwMode="auto">
+          <a:xfrm>
+            <a:off x="4283244" y="2023312"/>
+            <a:ext cx="445168" cy="445168"/>
+          </a:xfrm>
+          <a:prstGeom prst="rect">
+            <a:avLst/>
+          </a:prstGeom>
+          <a:noFill/>
+          <a:ln w="9525">
+            <a:noFill/>
+            <a:miter lim="800000"/>
+            <a:headEnd/>
+            <a:tailEnd/>
+          </a:ln>
+        </p:spPr>
+      </p:pic>
+      <p:sp>
+        <p:nvSpPr>
+          <p:cNvPr id="11" name="TextBox 10"/>
+          <p:cNvSpPr txBox="1"/>
+          <p:nvPr/>
+        </p:nvSpPr>
+        <p:spPr>
+          <a:xfrm>
+            <a:off x="878305" y="3429003"/>
+            <a:ext cx="1720516" cy="369332"/>
+          </a:xfrm>
+          <a:prstGeom prst="rect">
+            <a:avLst/>
+          </a:prstGeom>
+          <a:noFill/>
+        </p:spPr>
+        <p:txBody>
+          <a:bodyPr wrap="square" rtlCol="0">
+            <a:spAutoFit/>
+          </a:bodyPr>
+          <a:lstStyle/>
+          <a:p>
+            <a:pPr algn="ctr"/>
+            <a:r>
+              <a:rPr lang="en-US" dirty="0" err="1" smtClean="0"/>
+              <a:t>CommCareHQ</a:t>
+            </a:r>
+            <a:endParaRPr lang="en-US" dirty="0"/>
+          </a:p>
+        </p:txBody>
+      </p:sp>
+      <p:sp>
+        <p:nvSpPr>
+          <p:cNvPr id="12" name="TextBox 11"/>
+          <p:cNvSpPr txBox="1"/>
+          <p:nvPr/>
+        </p:nvSpPr>
+        <p:spPr>
+          <a:xfrm>
+            <a:off x="6396790" y="3429003"/>
+            <a:ext cx="1720516" cy="369332"/>
+          </a:xfrm>
+          <a:prstGeom prst="rect">
+            <a:avLst/>
+          </a:prstGeom>
+          <a:noFill/>
+        </p:spPr>
+        <p:txBody>
+          <a:bodyPr wrap="square" rtlCol="0">
+            <a:spAutoFit/>
+          </a:bodyPr>
+          <a:lstStyle/>
+          <a:p>
+            <a:pPr algn="ctr"/>
+            <a:r>
+              <a:rPr lang="en-US" dirty="0" smtClean="0"/>
+              <a:t>EXI</a:t>
             </a:r>
             <a:endParaRPr lang="en-US" dirty="0"/>
           </a:p>
@@ -2634,7 +3035,7 @@
     </p:spTree>
     <p:extLst>
       <p:ext uri="{BB962C8B-B14F-4D97-AF65-F5344CB8AC3E}">
-        <p14:creationId xmlns:p14="http://schemas.microsoft.com/office/powerpoint/2010/main" val="1864348527"/>
+        <p14:creationId xmlns:p14="http://schemas.microsoft.com/office/powerpoint/2010/main" val="1044240402"/>
       </p:ext>
     </p:extLst>
   </p:cSld>
@@ -2661,6 +3062,57 @@
           <a:chExt cx="0" cy="0"/>
         </a:xfrm>
       </p:grpSpPr>
+      <p:sp>
+        <p:nvSpPr>
+          <p:cNvPr id="2" name="Title 1"/>
+          <p:cNvSpPr>
+            <a:spLocks noGrp="1"/>
+          </p:cNvSpPr>
+          <p:nvPr>
+            <p:ph type="title"/>
+          </p:nvPr>
+        </p:nvSpPr>
+        <p:spPr/>
+        <p:txBody>
+          <a:bodyPr/>
+          <a:lstStyle/>
+          <a:p>
+            <a:r>
+              <a:rPr lang="en-US" dirty="0" smtClean="0"/>
+              <a:t>Form Forwarding</a:t>
+            </a:r>
+            <a:endParaRPr lang="en-US" dirty="0"/>
+          </a:p>
+        </p:txBody>
+      </p:sp>
+      <p:sp>
+        <p:nvSpPr>
+          <p:cNvPr id="3" name="Content Placeholder 2"/>
+          <p:cNvSpPr>
+            <a:spLocks noGrp="1"/>
+          </p:cNvSpPr>
+          <p:nvPr>
+            <p:ph idx="1"/>
+          </p:nvPr>
+        </p:nvSpPr>
+        <p:spPr/>
+        <p:txBody>
+          <a:bodyPr/>
+          <a:lstStyle/>
+          <a:p>
+            <a:r>
+              <a:rPr lang="en-US" dirty="0" smtClean="0"/>
+              <a:t>Sends you the entire form (XML or JSON)</a:t>
+            </a:r>
+          </a:p>
+          <a:p>
+            <a:pPr marL="0" indent="0">
+              <a:buNone/>
+            </a:pPr>
+            <a:endParaRPr lang="en-US" dirty="0"/>
+          </a:p>
+        </p:txBody>
+      </p:sp>
       <p:pic>
         <p:nvPicPr>
           <p:cNvPr id="4" name="Picture 3"/>
@@ -2670,7 +3122,7 @@
           <p:nvPr/>
         </p:nvPicPr>
         <p:blipFill>
-          <a:blip r:embed="rId3">
+          <a:blip r:embed="rId2">
             <a:extLst>
               <a:ext uri="{28A0092B-C50C-407E-A947-70E740481C1C}">
                 <a14:useLocalDpi xmlns:a14="http://schemas.microsoft.com/office/drawing/2010/main" val="0"/>
@@ -2683,509 +3135,8 @@
         </p:blipFill>
         <p:spPr>
           <a:xfrm>
-            <a:off x="4928937" y="2190749"/>
-            <a:ext cx="1238251" cy="1238251"/>
-          </a:xfrm>
-          <a:prstGeom prst="rect">
-            <a:avLst/>
-          </a:prstGeom>
-        </p:spPr>
-      </p:pic>
-      <p:pic>
-        <p:nvPicPr>
-          <p:cNvPr id="6" name="Picture 5"/>
-          <p:cNvPicPr>
-            <a:picLocks noChangeAspect="1"/>
-          </p:cNvPicPr>
-          <p:nvPr/>
-        </p:nvPicPr>
-        <p:blipFill>
-          <a:blip r:embed="rId3">
-            <a:extLst>
-              <a:ext uri="{28A0092B-C50C-407E-A947-70E740481C1C}">
-                <a14:useLocalDpi xmlns:a14="http://schemas.microsoft.com/office/drawing/2010/main" val="0"/>
-              </a:ext>
-            </a:extLst>
-          </a:blip>
-          <a:stretch>
-            <a:fillRect/>
-          </a:stretch>
-        </p:blipFill>
-        <p:spPr>
-          <a:xfrm>
-            <a:off x="5121442" y="713873"/>
-            <a:ext cx="465222" cy="465222"/>
-          </a:xfrm>
-          <a:prstGeom prst="rect">
-            <a:avLst/>
-          </a:prstGeom>
-        </p:spPr>
-      </p:pic>
-      <p:pic>
-        <p:nvPicPr>
-          <p:cNvPr id="7" name="Picture 6"/>
-          <p:cNvPicPr>
-            <a:picLocks noChangeAspect="1"/>
-          </p:cNvPicPr>
-          <p:nvPr/>
-        </p:nvPicPr>
-        <p:blipFill>
-          <a:blip r:embed="rId3">
-            <a:extLst>
-              <a:ext uri="{28A0092B-C50C-407E-A947-70E740481C1C}">
-                <a14:useLocalDpi xmlns:a14="http://schemas.microsoft.com/office/drawing/2010/main" val="0"/>
-              </a:ext>
-            </a:extLst>
-          </a:blip>
-          <a:stretch>
-            <a:fillRect/>
-          </a:stretch>
-        </p:blipFill>
-        <p:spPr>
-          <a:xfrm>
-            <a:off x="5759117" y="1315453"/>
-            <a:ext cx="465222" cy="465222"/>
-          </a:xfrm>
-          <a:prstGeom prst="rect">
-            <a:avLst/>
-          </a:prstGeom>
-        </p:spPr>
-      </p:pic>
-      <p:pic>
-        <p:nvPicPr>
-          <p:cNvPr id="8" name="Picture 7"/>
-          <p:cNvPicPr>
-            <a:picLocks noChangeAspect="1"/>
-          </p:cNvPicPr>
-          <p:nvPr/>
-        </p:nvPicPr>
-        <p:blipFill>
-          <a:blip r:embed="rId3">
-            <a:extLst>
-              <a:ext uri="{28A0092B-C50C-407E-A947-70E740481C1C}">
-                <a14:useLocalDpi xmlns:a14="http://schemas.microsoft.com/office/drawing/2010/main" val="0"/>
-              </a:ext>
-            </a:extLst>
-          </a:blip>
-          <a:stretch>
-            <a:fillRect/>
-          </a:stretch>
-        </p:blipFill>
-        <p:spPr>
-          <a:xfrm>
-            <a:off x="6396792" y="1331495"/>
-            <a:ext cx="465222" cy="465222"/>
-          </a:xfrm>
-          <a:prstGeom prst="rect">
-            <a:avLst/>
-          </a:prstGeom>
-        </p:spPr>
-      </p:pic>
-      <p:pic>
-        <p:nvPicPr>
-          <p:cNvPr id="9" name="Picture 8"/>
-          <p:cNvPicPr>
-            <a:picLocks noChangeAspect="1"/>
-          </p:cNvPicPr>
-          <p:nvPr/>
-        </p:nvPicPr>
-        <p:blipFill>
-          <a:blip r:embed="rId3">
-            <a:extLst>
-              <a:ext uri="{28A0092B-C50C-407E-A947-70E740481C1C}">
-                <a14:useLocalDpi xmlns:a14="http://schemas.microsoft.com/office/drawing/2010/main" val="0"/>
-              </a:ext>
-            </a:extLst>
-          </a:blip>
-          <a:stretch>
-            <a:fillRect/>
-          </a:stretch>
-        </p:blipFill>
-        <p:spPr>
-          <a:xfrm>
-            <a:off x="6396792" y="709862"/>
-            <a:ext cx="465222" cy="465222"/>
-          </a:xfrm>
-          <a:prstGeom prst="rect">
-            <a:avLst/>
-          </a:prstGeom>
-        </p:spPr>
-      </p:pic>
-      <p:pic>
-        <p:nvPicPr>
-          <p:cNvPr id="10" name="Picture 9"/>
-          <p:cNvPicPr>
-            <a:picLocks noChangeAspect="1"/>
-          </p:cNvPicPr>
-          <p:nvPr/>
-        </p:nvPicPr>
-        <p:blipFill>
-          <a:blip r:embed="rId3">
-            <a:extLst>
-              <a:ext uri="{28A0092B-C50C-407E-A947-70E740481C1C}">
-                <a14:useLocalDpi xmlns:a14="http://schemas.microsoft.com/office/drawing/2010/main" val="0"/>
-              </a:ext>
-            </a:extLst>
-          </a:blip>
-          <a:stretch>
-            <a:fillRect/>
-          </a:stretch>
-        </p:blipFill>
-        <p:spPr>
-          <a:xfrm>
-            <a:off x="5759117" y="709862"/>
-            <a:ext cx="465222" cy="465222"/>
-          </a:xfrm>
-          <a:prstGeom prst="rect">
-            <a:avLst/>
-          </a:prstGeom>
-        </p:spPr>
-      </p:pic>
-      <p:pic>
-        <p:nvPicPr>
-          <p:cNvPr id="11" name="Picture 10"/>
-          <p:cNvPicPr>
-            <a:picLocks noChangeAspect="1"/>
-          </p:cNvPicPr>
-          <p:nvPr/>
-        </p:nvPicPr>
-        <p:blipFill>
-          <a:blip r:embed="rId3">
-            <a:extLst>
-              <a:ext uri="{28A0092B-C50C-407E-A947-70E740481C1C}">
-                <a14:useLocalDpi xmlns:a14="http://schemas.microsoft.com/office/drawing/2010/main" val="0"/>
-              </a:ext>
-            </a:extLst>
-          </a:blip>
-          <a:stretch>
-            <a:fillRect/>
-          </a:stretch>
-        </p:blipFill>
-        <p:spPr>
-          <a:xfrm>
-            <a:off x="5121442" y="1315453"/>
-            <a:ext cx="465222" cy="465222"/>
-          </a:xfrm>
-          <a:prstGeom prst="rect">
-            <a:avLst/>
-          </a:prstGeom>
-        </p:spPr>
-      </p:pic>
-      <p:pic>
-        <p:nvPicPr>
-          <p:cNvPr id="18" name="Picture 17"/>
-          <p:cNvPicPr>
-            <a:picLocks noChangeAspect="1"/>
-          </p:cNvPicPr>
-          <p:nvPr/>
-        </p:nvPicPr>
-        <p:blipFill>
-          <a:blip r:embed="rId4">
-            <a:extLst>
-              <a:ext uri="{28A0092B-C50C-407E-A947-70E740481C1C}">
-                <a14:useLocalDpi xmlns:a14="http://schemas.microsoft.com/office/drawing/2010/main" val="0"/>
-              </a:ext>
-            </a:extLst>
-          </a:blip>
-          <a:stretch>
-            <a:fillRect/>
-          </a:stretch>
-        </p:blipFill>
-        <p:spPr>
-          <a:xfrm>
-            <a:off x="5091865" y="3862588"/>
-            <a:ext cx="989597" cy="989597"/>
-          </a:xfrm>
-          <a:prstGeom prst="rect">
-            <a:avLst/>
-          </a:prstGeom>
-        </p:spPr>
-      </p:pic>
-      <p:sp>
-        <p:nvSpPr>
-          <p:cNvPr id="19" name="TextBox 18"/>
-          <p:cNvSpPr txBox="1"/>
-          <p:nvPr/>
-        </p:nvSpPr>
-        <p:spPr>
-          <a:xfrm>
-            <a:off x="371183" y="1006188"/>
-            <a:ext cx="3716082" cy="400110"/>
-          </a:xfrm>
-          <a:prstGeom prst="rect">
-            <a:avLst/>
-          </a:prstGeom>
-          <a:noFill/>
-        </p:spPr>
-        <p:txBody>
-          <a:bodyPr wrap="none" rtlCol="0">
-            <a:spAutoFit/>
-          </a:bodyPr>
-          <a:lstStyle/>
-          <a:p>
-            <a:r>
-              <a:rPr lang="en-US" sz="2000" dirty="0" smtClean="0"/>
-              <a:t>Automatically before each form</a:t>
-            </a:r>
-            <a:endParaRPr lang="en-US" sz="2000" dirty="0"/>
-          </a:p>
-        </p:txBody>
-      </p:sp>
-      <p:sp>
-        <p:nvSpPr>
-          <p:cNvPr id="20" name="TextBox 19"/>
-          <p:cNvSpPr txBox="1"/>
-          <p:nvPr/>
-        </p:nvSpPr>
-        <p:spPr>
-          <a:xfrm>
-            <a:off x="371183" y="2434388"/>
-            <a:ext cx="4243469" cy="400110"/>
-          </a:xfrm>
-          <a:prstGeom prst="rect">
-            <a:avLst/>
-          </a:prstGeom>
-          <a:noFill/>
-        </p:spPr>
-        <p:txBody>
-          <a:bodyPr wrap="none" rtlCol="0">
-            <a:spAutoFit/>
-          </a:bodyPr>
-          <a:lstStyle/>
-          <a:p>
-            <a:r>
-              <a:rPr lang="en-US" sz="2000" dirty="0" smtClean="0"/>
-              <a:t>Automatically before selected forms</a:t>
-            </a:r>
-            <a:endParaRPr lang="en-US" sz="2000" dirty="0"/>
-          </a:p>
-        </p:txBody>
-      </p:sp>
-      <p:sp>
-        <p:nvSpPr>
-          <p:cNvPr id="22" name="TextBox 21"/>
-          <p:cNvSpPr txBox="1"/>
-          <p:nvPr/>
-        </p:nvSpPr>
-        <p:spPr>
-          <a:xfrm>
-            <a:off x="371183" y="3862588"/>
-            <a:ext cx="1737976" cy="400110"/>
-          </a:xfrm>
-          <a:prstGeom prst="rect">
-            <a:avLst/>
-          </a:prstGeom>
-          <a:noFill/>
-        </p:spPr>
-        <p:txBody>
-          <a:bodyPr wrap="none" rtlCol="0">
-            <a:spAutoFit/>
-          </a:bodyPr>
-          <a:lstStyle/>
-          <a:p>
-            <a:r>
-              <a:rPr lang="en-US" sz="2000" dirty="0" smtClean="0"/>
-              <a:t>As a question</a:t>
-            </a:r>
-            <a:endParaRPr lang="en-US" sz="2000" dirty="0"/>
-          </a:p>
-        </p:txBody>
-      </p:sp>
-      <p:sp>
-        <p:nvSpPr>
-          <p:cNvPr id="23" name="TextBox 22"/>
-          <p:cNvSpPr txBox="1"/>
-          <p:nvPr/>
-        </p:nvSpPr>
-        <p:spPr>
-          <a:xfrm>
-            <a:off x="371183" y="5219166"/>
-            <a:ext cx="1795684" cy="400110"/>
-          </a:xfrm>
-          <a:prstGeom prst="rect">
-            <a:avLst/>
-          </a:prstGeom>
-          <a:noFill/>
-        </p:spPr>
-        <p:txBody>
-          <a:bodyPr wrap="none" rtlCol="0">
-            <a:spAutoFit/>
-          </a:bodyPr>
-          <a:lstStyle/>
-          <a:p>
-            <a:r>
-              <a:rPr lang="en-US" sz="2000" dirty="0" smtClean="0"/>
-              <a:t>By app callout</a:t>
-            </a:r>
-            <a:endParaRPr lang="en-US" sz="2000" dirty="0"/>
-          </a:p>
-        </p:txBody>
-      </p:sp>
-      <p:cxnSp>
-        <p:nvCxnSpPr>
-          <p:cNvPr id="25" name="Straight Connector 24"/>
-          <p:cNvCxnSpPr/>
-          <p:nvPr/>
-        </p:nvCxnSpPr>
-        <p:spPr>
-          <a:xfrm>
-            <a:off x="371183" y="2082465"/>
-            <a:ext cx="7976936" cy="0"/>
-          </a:xfrm>
-          <a:prstGeom prst="line">
-            <a:avLst/>
-          </a:prstGeom>
-          <a:ln>
-            <a:solidFill>
-              <a:schemeClr val="bg1">
-                <a:lumMod val="85000"/>
-              </a:schemeClr>
-            </a:solidFill>
-          </a:ln>
-        </p:spPr>
-        <p:style>
-          <a:lnRef idx="1">
-            <a:schemeClr val="accent1"/>
-          </a:lnRef>
-          <a:fillRef idx="0">
-            <a:schemeClr val="accent1"/>
-          </a:fillRef>
-          <a:effectRef idx="0">
-            <a:schemeClr val="accent1"/>
-          </a:effectRef>
-          <a:fontRef idx="minor">
-            <a:schemeClr val="tx1"/>
-          </a:fontRef>
-        </p:style>
-      </p:cxnSp>
-      <p:cxnSp>
-        <p:nvCxnSpPr>
-          <p:cNvPr id="26" name="Straight Connector 25"/>
-          <p:cNvCxnSpPr/>
-          <p:nvPr/>
-        </p:nvCxnSpPr>
-        <p:spPr>
-          <a:xfrm>
-            <a:off x="371183" y="3690686"/>
-            <a:ext cx="7976936" cy="0"/>
-          </a:xfrm>
-          <a:prstGeom prst="line">
-            <a:avLst/>
-          </a:prstGeom>
-          <a:ln>
-            <a:solidFill>
-              <a:schemeClr val="bg1">
-                <a:lumMod val="85000"/>
-              </a:schemeClr>
-            </a:solidFill>
-          </a:ln>
-        </p:spPr>
-        <p:style>
-          <a:lnRef idx="1">
-            <a:schemeClr val="accent1"/>
-          </a:lnRef>
-          <a:fillRef idx="0">
-            <a:schemeClr val="accent1"/>
-          </a:fillRef>
-          <a:effectRef idx="0">
-            <a:schemeClr val="accent1"/>
-          </a:effectRef>
-          <a:fontRef idx="minor">
-            <a:schemeClr val="tx1"/>
-          </a:fontRef>
-        </p:style>
-      </p:cxnSp>
-      <p:cxnSp>
-        <p:nvCxnSpPr>
-          <p:cNvPr id="27" name="Straight Connector 26"/>
-          <p:cNvCxnSpPr/>
-          <p:nvPr/>
-        </p:nvCxnSpPr>
-        <p:spPr>
-          <a:xfrm>
-            <a:off x="371183" y="5176052"/>
-            <a:ext cx="7976936" cy="0"/>
-          </a:xfrm>
-          <a:prstGeom prst="line">
-            <a:avLst/>
-          </a:prstGeom>
-          <a:ln>
-            <a:solidFill>
-              <a:schemeClr val="bg1">
-                <a:lumMod val="85000"/>
-              </a:schemeClr>
-            </a:solidFill>
-          </a:ln>
-        </p:spPr>
-        <p:style>
-          <a:lnRef idx="1">
-            <a:schemeClr val="accent1"/>
-          </a:lnRef>
-          <a:fillRef idx="0">
-            <a:schemeClr val="accent1"/>
-          </a:fillRef>
-          <a:effectRef idx="0">
-            <a:schemeClr val="accent1"/>
-          </a:effectRef>
-          <a:fontRef idx="minor">
-            <a:schemeClr val="tx1"/>
-          </a:fontRef>
-        </p:style>
-      </p:cxnSp>
-      <p:pic>
-        <p:nvPicPr>
-          <p:cNvPr id="28" name="Picture 27"/>
-          <p:cNvPicPr>
-            <a:picLocks noChangeAspect="1"/>
-          </p:cNvPicPr>
-          <p:nvPr/>
-        </p:nvPicPr>
-        <p:blipFill>
-          <a:blip r:embed="rId5">
-            <a:extLst>
-              <a:ext uri="{28A0092B-C50C-407E-A947-70E740481C1C}">
-                <a14:useLocalDpi xmlns:a14="http://schemas.microsoft.com/office/drawing/2010/main" val="0"/>
-              </a:ext>
-            </a:extLst>
-          </a:blip>
-          <a:stretch>
-            <a:fillRect/>
-          </a:stretch>
-        </p:blipFill>
-        <p:spPr>
-          <a:xfrm>
-            <a:off x="5091865" y="5311262"/>
-            <a:ext cx="944480" cy="944480"/>
-          </a:xfrm>
-          <a:prstGeom prst="rect">
-            <a:avLst/>
-          </a:prstGeom>
-        </p:spPr>
-      </p:pic>
-      <p:pic>
-        <p:nvPicPr>
-          <p:cNvPr id="29" name="Picture 28"/>
-          <p:cNvPicPr>
-            <a:picLocks noChangeAspect="1"/>
-          </p:cNvPicPr>
-          <p:nvPr/>
-        </p:nvPicPr>
-        <p:blipFill>
-          <a:blip r:embed="rId6">
-            <a:extLst>
-              <a:ext uri="{28A0092B-C50C-407E-A947-70E740481C1C}">
-                <a14:useLocalDpi xmlns:a14="http://schemas.microsoft.com/office/drawing/2010/main" val="0"/>
-              </a:ext>
-            </a:extLst>
-          </a:blip>
-          <a:stretch>
-            <a:fillRect/>
-          </a:stretch>
-        </p:blipFill>
-        <p:spPr>
-          <a:xfrm rot="5400000">
-            <a:off x="5732045" y="5366492"/>
-            <a:ext cx="798094" cy="798094"/>
+            <a:off x="926431" y="1783012"/>
+            <a:ext cx="6918158" cy="4284896"/>
           </a:xfrm>
           <a:prstGeom prst="rect">
             <a:avLst/>
@@ -3195,7 +3146,7 @@
     </p:spTree>
     <p:extLst>
       <p:ext uri="{BB962C8B-B14F-4D97-AF65-F5344CB8AC3E}">
-        <p14:creationId xmlns:p14="http://schemas.microsoft.com/office/powerpoint/2010/main" val="886607263"/>
+        <p14:creationId xmlns:p14="http://schemas.microsoft.com/office/powerpoint/2010/main" val="727940389"/>
       </p:ext>
     </p:extLst>
   </p:cSld>
@@ -3232,6 +3183,317 @@
             <p:ph type="title"/>
           </p:nvPr>
         </p:nvSpPr>
+        <p:spPr/>
+        <p:txBody>
+          <a:bodyPr/>
+          <a:lstStyle/>
+          <a:p>
+            <a:r>
+              <a:rPr lang="en-US" dirty="0" smtClean="0"/>
+              <a:t>Case Forwarding</a:t>
+            </a:r>
+            <a:endParaRPr lang="en-US" dirty="0"/>
+          </a:p>
+        </p:txBody>
+      </p:sp>
+      <p:sp>
+        <p:nvSpPr>
+          <p:cNvPr id="3" name="Content Placeholder 2"/>
+          <p:cNvSpPr>
+            <a:spLocks noGrp="1"/>
+          </p:cNvSpPr>
+          <p:nvPr>
+            <p:ph idx="1"/>
+          </p:nvPr>
+        </p:nvSpPr>
+        <p:spPr/>
+        <p:txBody>
+          <a:bodyPr/>
+          <a:lstStyle/>
+          <a:p>
+            <a:r>
+              <a:rPr lang="en-US" dirty="0" smtClean="0"/>
+              <a:t>Sends you the entire case(XML or JSON)</a:t>
+            </a:r>
+          </a:p>
+          <a:p>
+            <a:pPr marL="0" indent="0">
+              <a:buNone/>
+            </a:pPr>
+            <a:endParaRPr lang="en-US" dirty="0"/>
+          </a:p>
+        </p:txBody>
+      </p:sp>
+    </p:spTree>
+    <p:extLst>
+      <p:ext uri="{BB962C8B-B14F-4D97-AF65-F5344CB8AC3E}">
+        <p14:creationId xmlns:p14="http://schemas.microsoft.com/office/powerpoint/2010/main" val="802999182"/>
+      </p:ext>
+    </p:extLst>
+  </p:cSld>
+  <p:clrMapOvr>
+    <a:masterClrMapping/>
+  </p:clrMapOvr>
+</p:sld>
+</file>
+
+<file path=ppt/slides/slide5.xml><?xml version="1.0" encoding="utf-8"?>
+<p:sld xmlns:a="http://schemas.openxmlformats.org/drawingml/2006/main" xmlns:r="http://schemas.openxmlformats.org/officeDocument/2006/relationships" xmlns:p="http://schemas.openxmlformats.org/presentationml/2006/main">
+  <p:cSld>
+    <p:spTree>
+      <p:nvGrpSpPr>
+        <p:cNvPr id="1" name=""/>
+        <p:cNvGrpSpPr/>
+        <p:nvPr/>
+      </p:nvGrpSpPr>
+      <p:grpSpPr>
+        <a:xfrm>
+          <a:off x="0" y="0"/>
+          <a:ext cx="0" cy="0"/>
+          <a:chOff x="0" y="0"/>
+          <a:chExt cx="0" cy="0"/>
+        </a:xfrm>
+      </p:grpSpPr>
+      <p:sp>
+        <p:nvSpPr>
+          <p:cNvPr id="2" name="Title 1"/>
+          <p:cNvSpPr>
+            <a:spLocks noGrp="1"/>
+          </p:cNvSpPr>
+          <p:nvPr>
+            <p:ph type="title"/>
+          </p:nvPr>
+        </p:nvSpPr>
+        <p:spPr/>
+        <p:txBody>
+          <a:bodyPr/>
+          <a:lstStyle/>
+          <a:p>
+            <a:r>
+              <a:rPr lang="en-US" dirty="0" smtClean="0"/>
+              <a:t>Forward Form Stub</a:t>
+            </a:r>
+            <a:endParaRPr lang="en-US" dirty="0"/>
+          </a:p>
+        </p:txBody>
+      </p:sp>
+      <p:sp>
+        <p:nvSpPr>
+          <p:cNvPr id="3" name="Content Placeholder 2"/>
+          <p:cNvSpPr>
+            <a:spLocks noGrp="1"/>
+          </p:cNvSpPr>
+          <p:nvPr>
+            <p:ph idx="1"/>
+          </p:nvPr>
+        </p:nvSpPr>
+        <p:spPr/>
+        <p:txBody>
+          <a:bodyPr/>
+          <a:lstStyle/>
+          <a:p>
+            <a:r>
+              <a:rPr lang="en-US" dirty="0" smtClean="0"/>
+              <a:t>This sends you </a:t>
+            </a:r>
+            <a:r>
+              <a:rPr lang="en-US" dirty="0"/>
+              <a:t> a timestamp (GMT), the form's id, and the ids of any affected </a:t>
+            </a:r>
+            <a:r>
+              <a:rPr lang="en-US" dirty="0" smtClean="0"/>
+              <a:t>cases</a:t>
+            </a:r>
+          </a:p>
+          <a:p>
+            <a:endParaRPr lang="en-US" dirty="0"/>
+          </a:p>
+          <a:p>
+            <a:r>
+              <a:rPr lang="en-US" dirty="0" smtClean="0"/>
+              <a:t>Why is this useful?</a:t>
+            </a:r>
+          </a:p>
+          <a:p>
+            <a:endParaRPr lang="en-US" dirty="0"/>
+          </a:p>
+          <a:p>
+            <a:r>
+              <a:rPr lang="en-US" dirty="0" smtClean="0"/>
+              <a:t>When you get the ids, you can use the data APIs to read the corresponding cases (at a different time or immediately)</a:t>
+            </a:r>
+            <a:endParaRPr lang="en-US" dirty="0"/>
+          </a:p>
+        </p:txBody>
+      </p:sp>
+      <p:pic>
+        <p:nvPicPr>
+          <p:cNvPr id="4" name="Picture 3"/>
+          <p:cNvPicPr>
+            <a:picLocks noChangeAspect="1"/>
+          </p:cNvPicPr>
+          <p:nvPr/>
+        </p:nvPicPr>
+        <p:blipFill>
+          <a:blip r:embed="rId2">
+            <a:extLst>
+              <a:ext uri="{28A0092B-C50C-407E-A947-70E740481C1C}">
+                <a14:useLocalDpi xmlns:a14="http://schemas.microsoft.com/office/drawing/2010/main" val="0"/>
+              </a:ext>
+            </a:extLst>
+          </a:blip>
+          <a:stretch>
+            <a:fillRect/>
+          </a:stretch>
+        </p:blipFill>
+        <p:spPr>
+          <a:xfrm>
+            <a:off x="228600" y="4580346"/>
+            <a:ext cx="8686800" cy="1301574"/>
+          </a:xfrm>
+          <a:prstGeom prst="rect">
+            <a:avLst/>
+          </a:prstGeom>
+        </p:spPr>
+      </p:pic>
+    </p:spTree>
+    <p:extLst>
+      <p:ext uri="{BB962C8B-B14F-4D97-AF65-F5344CB8AC3E}">
+        <p14:creationId xmlns:p14="http://schemas.microsoft.com/office/powerpoint/2010/main" val="426439573"/>
+      </p:ext>
+    </p:extLst>
+  </p:cSld>
+  <p:clrMapOvr>
+    <a:masterClrMapping/>
+  </p:clrMapOvr>
+</p:sld>
+</file>
+
+<file path=ppt/slides/slide6.xml><?xml version="1.0" encoding="utf-8"?>
+<p:sld xmlns:a="http://schemas.openxmlformats.org/drawingml/2006/main" xmlns:r="http://schemas.openxmlformats.org/officeDocument/2006/relationships" xmlns:p="http://schemas.openxmlformats.org/presentationml/2006/main">
+  <p:cSld>
+    <p:spTree>
+      <p:nvGrpSpPr>
+        <p:cNvPr id="1" name=""/>
+        <p:cNvGrpSpPr/>
+        <p:nvPr/>
+      </p:nvGrpSpPr>
+      <p:grpSpPr>
+        <a:xfrm>
+          <a:off x="0" y="0"/>
+          <a:ext cx="0" cy="0"/>
+          <a:chOff x="0" y="0"/>
+          <a:chExt cx="0" cy="0"/>
+        </a:xfrm>
+      </p:grpSpPr>
+      <p:sp>
+        <p:nvSpPr>
+          <p:cNvPr id="2" name="Title 1"/>
+          <p:cNvSpPr>
+            <a:spLocks noGrp="1"/>
+          </p:cNvSpPr>
+          <p:nvPr>
+            <p:ph type="title"/>
+          </p:nvPr>
+        </p:nvSpPr>
+        <p:spPr/>
+        <p:txBody>
+          <a:bodyPr/>
+          <a:lstStyle/>
+          <a:p>
+            <a:r>
+              <a:rPr lang="en-US" dirty="0"/>
+              <a:t>Forward App Schema Changes</a:t>
+            </a:r>
+            <a:endParaRPr lang="en-US" b="0" dirty="0"/>
+          </a:p>
+        </p:txBody>
+      </p:sp>
+      <p:sp>
+        <p:nvSpPr>
+          <p:cNvPr id="3" name="Content Placeholder 2"/>
+          <p:cNvSpPr>
+            <a:spLocks noGrp="1"/>
+          </p:cNvSpPr>
+          <p:nvPr>
+            <p:ph idx="1"/>
+          </p:nvPr>
+        </p:nvSpPr>
+        <p:spPr/>
+        <p:txBody>
+          <a:bodyPr/>
+          <a:lstStyle/>
+          <a:p>
+            <a:r>
+              <a:rPr lang="en-US" dirty="0" smtClean="0"/>
+              <a:t>Sends an </a:t>
+            </a:r>
+            <a:r>
+              <a:rPr lang="en-US" dirty="0" err="1" smtClean="0"/>
+              <a:t>app_id</a:t>
+            </a:r>
+            <a:r>
+              <a:rPr lang="en-US" dirty="0" smtClean="0"/>
+              <a:t> whenever the app has been saved</a:t>
+            </a:r>
+          </a:p>
+          <a:p>
+            <a:r>
+              <a:rPr lang="en-US" dirty="0" smtClean="0"/>
+              <a:t>Sends a </a:t>
+            </a:r>
+            <a:r>
+              <a:rPr lang="en-US" dirty="0" err="1" smtClean="0"/>
+              <a:t>build_id</a:t>
+            </a:r>
+            <a:r>
+              <a:rPr lang="en-US" dirty="0" smtClean="0"/>
+              <a:t> whenever there’s a new build</a:t>
+            </a:r>
+            <a:endParaRPr lang="en-US" dirty="0"/>
+          </a:p>
+        </p:txBody>
+      </p:sp>
+    </p:spTree>
+    <p:extLst>
+      <p:ext uri="{BB962C8B-B14F-4D97-AF65-F5344CB8AC3E}">
+        <p14:creationId xmlns:p14="http://schemas.microsoft.com/office/powerpoint/2010/main" val="1345481362"/>
+      </p:ext>
+    </p:extLst>
+  </p:cSld>
+  <p:clrMapOvr>
+    <a:masterClrMapping/>
+  </p:clrMapOvr>
+</p:sld>
+</file>
+
+<file path=ppt/slides/slide7.xml><?xml version="1.0" encoding="utf-8"?>
+<p:sld xmlns:a="http://schemas.openxmlformats.org/drawingml/2006/main" xmlns:r="http://schemas.openxmlformats.org/officeDocument/2006/relationships" xmlns:p="http://schemas.openxmlformats.org/presentationml/2006/main">
+  <p:cSld>
+    <p:spTree>
+      <p:nvGrpSpPr>
+        <p:cNvPr id="1" name=""/>
+        <p:cNvGrpSpPr/>
+        <p:nvPr/>
+      </p:nvGrpSpPr>
+      <p:grpSpPr>
+        <a:xfrm>
+          <a:off x="0" y="0"/>
+          <a:ext cx="0" cy="0"/>
+          <a:chOff x="0" y="0"/>
+          <a:chExt cx="0" cy="0"/>
+        </a:xfrm>
+      </p:grpSpPr>
+      <p:sp>
+        <p:nvSpPr>
+          <p:cNvPr id="2" name="Title 1"/>
+          <p:cNvSpPr>
+            <a:spLocks noGrp="1"/>
+          </p:cNvSpPr>
+          <p:nvPr>
+            <p:ph type="title"/>
+          </p:nvPr>
+        </p:nvSpPr>
         <p:spPr>
           <a:xfrm>
             <a:off x="457200" y="3416969"/>
@@ -3245,8 +3507,49 @@
             <a:pPr algn="ctr"/>
             <a:r>
               <a:rPr lang="en-US" dirty="0" smtClean="0"/>
-              <a:t>Add two types of GPS collection methods</a:t>
-            </a:r>
+              <a:t>Let’s look at HQ</a:t>
+            </a:r>
+            <a:br>
+              <a:rPr lang="en-US" dirty="0" smtClean="0"/>
+            </a:br>
+            <a:r>
+              <a:rPr lang="en-US" dirty="0"/>
+              <a:t/>
+            </a:r>
+            <a:br>
+              <a:rPr lang="en-US" dirty="0"/>
+            </a:br>
+            <a:r>
+              <a:rPr lang="en-US" dirty="0"/>
+              <a:t> </a:t>
+            </a:r>
+            <a:r>
+              <a:rPr lang="en-US" sz="1400" dirty="0"/>
+              <a:t>https://</a:t>
+            </a:r>
+            <a:r>
+              <a:rPr lang="en-US" sz="1400" dirty="0" err="1"/>
+              <a:t>www.commcarehq.org</a:t>
+            </a:r>
+            <a:r>
+              <a:rPr lang="en-US" sz="1400" dirty="0"/>
+              <a:t>/a/</a:t>
+            </a:r>
+            <a:r>
+              <a:rPr lang="en-US" sz="1400" dirty="0" err="1"/>
+              <a:t>exi</a:t>
+            </a:r>
+            <a:r>
+              <a:rPr lang="en-US" sz="1400" dirty="0"/>
+              <a:t>-training/settings/project/forwarding/ </a:t>
+            </a:r>
+            <a:r>
+              <a:rPr lang="en-US" dirty="0" smtClean="0"/>
+              <a:t/>
+            </a:r>
+            <a:br>
+              <a:rPr lang="en-US" dirty="0" smtClean="0"/>
+            </a:br>
             <a:endParaRPr lang="en-US" dirty="0"/>
           </a:p>
         </p:txBody>
@@ -3254,7 +3557,83 @@
     </p:spTree>
     <p:extLst>
       <p:ext uri="{BB962C8B-B14F-4D97-AF65-F5344CB8AC3E}">
-        <p14:creationId xmlns:p14="http://schemas.microsoft.com/office/powerpoint/2010/main" val="1223942617"/>
+        <p14:creationId xmlns:p14="http://schemas.microsoft.com/office/powerpoint/2010/main" val="1147287188"/>
+      </p:ext>
+    </p:extLst>
+  </p:cSld>
+  <p:clrMapOvr>
+    <a:masterClrMapping/>
+  </p:clrMapOvr>
+</p:sld>
+</file>
+
+<file path=ppt/slides/slide8.xml><?xml version="1.0" encoding="utf-8"?>
+<p:sld xmlns:a="http://schemas.openxmlformats.org/drawingml/2006/main" xmlns:r="http://schemas.openxmlformats.org/officeDocument/2006/relationships" xmlns:p="http://schemas.openxmlformats.org/presentationml/2006/main">
+  <p:cSld>
+    <p:spTree>
+      <p:nvGrpSpPr>
+        <p:cNvPr id="1" name=""/>
+        <p:cNvGrpSpPr/>
+        <p:nvPr/>
+      </p:nvGrpSpPr>
+      <p:grpSpPr>
+        <a:xfrm>
+          <a:off x="0" y="0"/>
+          <a:ext cx="0" cy="0"/>
+          <a:chOff x="0" y="0"/>
+          <a:chExt cx="0" cy="0"/>
+        </a:xfrm>
+      </p:grpSpPr>
+      <p:sp>
+        <p:nvSpPr>
+          <p:cNvPr id="2" name="Title 1"/>
+          <p:cNvSpPr>
+            <a:spLocks noGrp="1"/>
+          </p:cNvSpPr>
+          <p:nvPr>
+            <p:ph type="title"/>
+          </p:nvPr>
+        </p:nvSpPr>
+        <p:spPr/>
+        <p:txBody>
+          <a:bodyPr/>
+          <a:lstStyle/>
+          <a:p>
+            <a:r>
+              <a:rPr lang="en-US" dirty="0" smtClean="0"/>
+              <a:t>Notes</a:t>
+            </a:r>
+            <a:endParaRPr lang="en-US" dirty="0"/>
+          </a:p>
+        </p:txBody>
+      </p:sp>
+      <p:sp>
+        <p:nvSpPr>
+          <p:cNvPr id="3" name="Content Placeholder 2"/>
+          <p:cNvSpPr>
+            <a:spLocks noGrp="1"/>
+          </p:cNvSpPr>
+          <p:nvPr>
+            <p:ph idx="1"/>
+          </p:nvPr>
+        </p:nvSpPr>
+        <p:spPr/>
+        <p:txBody>
+          <a:bodyPr/>
+          <a:lstStyle/>
+          <a:p>
+            <a:r>
+              <a:rPr lang="en-US" smtClean="0"/>
+              <a:t>Forwarding will happen every five minutes</a:t>
+            </a:r>
+            <a:endParaRPr lang="en-US"/>
+          </a:p>
+        </p:txBody>
+      </p:sp>
+    </p:spTree>
+    <p:extLst>
+      <p:ext uri="{BB962C8B-B14F-4D97-AF65-F5344CB8AC3E}">
+        <p14:creationId xmlns:p14="http://schemas.microsoft.com/office/powerpoint/2010/main" val="1470759763"/>
       </p:ext>
     </p:extLst>
   </p:cSld>
